--- a/content/docs/theory-analysis/hmac/images/images.pptx
+++ b/content/docs/theory-analysis/hmac/images/images.pptx
@@ -213,7 +213,7 @@
           <a:p>
             <a:fld id="{6CD5550B-26C4-49A9-A5BA-636EF7BE6CE9}" type="datetimeFigureOut">
               <a:rPr lang="ko-KR" altLang="en-US" smtClean="0"/>
-              <a:t>2024. 12. 6.</a:t>
+              <a:t>2024. 12. 7.</a:t>
             </a:fld>
             <a:endParaRPr lang="ko-KR" altLang="en-US"/>
           </a:p>
@@ -659,7 +659,7 @@
           <a:p>
             <a:fld id="{FB30EDBD-1C2D-4C1E-B459-B60219FAB484}" type="datetimeFigureOut">
               <a:rPr lang="ko-KR" altLang="en-US" smtClean="0"/>
-              <a:t>2024. 12. 6.</a:t>
+              <a:t>2024. 12. 7.</a:t>
             </a:fld>
             <a:endParaRPr lang="ko-KR" altLang="en-US"/>
           </a:p>
@@ -822,7 +822,7 @@
           <a:p>
             <a:fld id="{FB30EDBD-1C2D-4C1E-B459-B60219FAB484}" type="datetimeFigureOut">
               <a:rPr lang="ko-KR" altLang="en-US" smtClean="0"/>
-              <a:t>2024. 12. 6.</a:t>
+              <a:t>2024. 12. 7.</a:t>
             </a:fld>
             <a:endParaRPr lang="ko-KR" altLang="en-US"/>
           </a:p>
@@ -995,7 +995,7 @@
           <a:p>
             <a:fld id="{FB30EDBD-1C2D-4C1E-B459-B60219FAB484}" type="datetimeFigureOut">
               <a:rPr lang="ko-KR" altLang="en-US" smtClean="0"/>
-              <a:t>2024. 12. 6.</a:t>
+              <a:t>2024. 12. 7.</a:t>
             </a:fld>
             <a:endParaRPr lang="ko-KR" altLang="en-US"/>
           </a:p>
@@ -1158,7 +1158,7 @@
           <a:p>
             <a:fld id="{FB30EDBD-1C2D-4C1E-B459-B60219FAB484}" type="datetimeFigureOut">
               <a:rPr lang="ko-KR" altLang="en-US" smtClean="0"/>
-              <a:t>2024. 12. 6.</a:t>
+              <a:t>2024. 12. 7.</a:t>
             </a:fld>
             <a:endParaRPr lang="ko-KR" altLang="en-US"/>
           </a:p>
@@ -1398,7 +1398,7 @@
           <a:p>
             <a:fld id="{FB30EDBD-1C2D-4C1E-B459-B60219FAB484}" type="datetimeFigureOut">
               <a:rPr lang="ko-KR" altLang="en-US" smtClean="0"/>
-              <a:t>2024. 12. 6.</a:t>
+              <a:t>2024. 12. 7.</a:t>
             </a:fld>
             <a:endParaRPr lang="ko-KR" altLang="en-US"/>
           </a:p>
@@ -1678,7 +1678,7 @@
           <a:p>
             <a:fld id="{FB30EDBD-1C2D-4C1E-B459-B60219FAB484}" type="datetimeFigureOut">
               <a:rPr lang="ko-KR" altLang="en-US" smtClean="0"/>
-              <a:t>2024. 12. 6.</a:t>
+              <a:t>2024. 12. 7.</a:t>
             </a:fld>
             <a:endParaRPr lang="ko-KR" altLang="en-US"/>
           </a:p>
@@ -2092,7 +2092,7 @@
           <a:p>
             <a:fld id="{FB30EDBD-1C2D-4C1E-B459-B60219FAB484}" type="datetimeFigureOut">
               <a:rPr lang="ko-KR" altLang="en-US" smtClean="0"/>
-              <a:t>2024. 12. 6.</a:t>
+              <a:t>2024. 12. 7.</a:t>
             </a:fld>
             <a:endParaRPr lang="ko-KR" altLang="en-US"/>
           </a:p>
@@ -2204,7 +2204,7 @@
           <a:p>
             <a:fld id="{FB30EDBD-1C2D-4C1E-B459-B60219FAB484}" type="datetimeFigureOut">
               <a:rPr lang="ko-KR" altLang="en-US" smtClean="0"/>
-              <a:t>2024. 12. 6.</a:t>
+              <a:t>2024. 12. 7.</a:t>
             </a:fld>
             <a:endParaRPr lang="ko-KR" altLang="en-US"/>
           </a:p>
@@ -2294,7 +2294,7 @@
           <a:p>
             <a:fld id="{FB30EDBD-1C2D-4C1E-B459-B60219FAB484}" type="datetimeFigureOut">
               <a:rPr lang="ko-KR" altLang="en-US" smtClean="0"/>
-              <a:t>2024. 12. 6.</a:t>
+              <a:t>2024. 12. 7.</a:t>
             </a:fld>
             <a:endParaRPr lang="ko-KR" altLang="en-US"/>
           </a:p>
@@ -2564,7 +2564,7 @@
           <a:p>
             <a:fld id="{FB30EDBD-1C2D-4C1E-B459-B60219FAB484}" type="datetimeFigureOut">
               <a:rPr lang="ko-KR" altLang="en-US" smtClean="0"/>
-              <a:t>2024. 12. 6.</a:t>
+              <a:t>2024. 12. 7.</a:t>
             </a:fld>
             <a:endParaRPr lang="ko-KR" altLang="en-US"/>
           </a:p>
@@ -2811,7 +2811,7 @@
           <a:p>
             <a:fld id="{FB30EDBD-1C2D-4C1E-B459-B60219FAB484}" type="datetimeFigureOut">
               <a:rPr lang="ko-KR" altLang="en-US" smtClean="0"/>
-              <a:t>2024. 12. 6.</a:t>
+              <a:t>2024. 12. 7.</a:t>
             </a:fld>
             <a:endParaRPr lang="ko-KR" altLang="en-US"/>
           </a:p>
@@ -3017,7 +3017,7 @@
           <a:p>
             <a:fld id="{FB30EDBD-1C2D-4C1E-B459-B60219FAB484}" type="datetimeFigureOut">
               <a:rPr lang="ko-KR" altLang="en-US" smtClean="0"/>
-              <a:t>2024. 12. 6.</a:t>
+              <a:t>2024. 12. 7.</a:t>
             </a:fld>
             <a:endParaRPr lang="ko-KR" altLang="en-US"/>
           </a:p>
@@ -3558,8 +3558,8 @@
         </p:nvSpPr>
         <p:spPr>
           <a:xfrm>
-            <a:off x="2428399" y="1862877"/>
-            <a:ext cx="1080120" cy="484466"/>
+            <a:off x="2428399" y="1823361"/>
+            <a:ext cx="1080120" cy="563498"/>
           </a:xfrm>
           <a:prstGeom prst="roundRect">
             <a:avLst>
@@ -3603,6 +3603,13 @@
             <a:r>
               <a:rPr lang="en-KR" sz="1200"/>
               <a:t>Algorithm</a:t>
+            </a:r>
+          </a:p>
+          <a:p>
+            <a:pPr algn="ctr"/>
+            <a:r>
+              <a:rPr lang="en-US" altLang="ko-KR" sz="1200"/>
+              <a:t>(Hashing)</a:t>
             </a:r>
             <a:endParaRPr lang="en-KR" sz="1400"/>
           </a:p>
@@ -3684,7 +3691,7 @@
         <p:spPr>
           <a:xfrm>
             <a:off x="2336434" y="1527035"/>
-            <a:ext cx="632025" cy="335842"/>
+            <a:ext cx="632025" cy="296326"/>
           </a:xfrm>
           <a:prstGeom prst="straightConnector1">
             <a:avLst/>
@@ -3835,8 +3842,8 @@
         </p:nvCxnSpPr>
         <p:spPr>
           <a:xfrm>
-            <a:off x="2968459" y="2347343"/>
-            <a:ext cx="0" cy="330283"/>
+            <a:off x="2968459" y="2386859"/>
+            <a:ext cx="0" cy="290767"/>
           </a:xfrm>
           <a:prstGeom prst="straightConnector1">
             <a:avLst/>
@@ -4192,8 +4199,8 @@
         </p:nvSpPr>
         <p:spPr>
           <a:xfrm>
-            <a:off x="6856561" y="1862877"/>
-            <a:ext cx="1080120" cy="484466"/>
+            <a:off x="6856561" y="1823361"/>
+            <a:ext cx="1080120" cy="563498"/>
           </a:xfrm>
           <a:prstGeom prst="roundRect">
             <a:avLst>
@@ -4237,6 +4244,13 @@
             <a:r>
               <a:rPr lang="en-KR" sz="1200"/>
               <a:t>Algorithm</a:t>
+            </a:r>
+          </a:p>
+          <a:p>
+            <a:pPr algn="ctr"/>
+            <a:r>
+              <a:rPr lang="en-US" altLang="ko-KR" sz="1200"/>
+              <a:t>(Hashing)</a:t>
             </a:r>
             <a:endParaRPr lang="en-KR" sz="1400"/>
           </a:p>
@@ -4318,7 +4332,7 @@
         <p:spPr>
           <a:xfrm>
             <a:off x="6764596" y="1527035"/>
-            <a:ext cx="632025" cy="335842"/>
+            <a:ext cx="632025" cy="296326"/>
           </a:xfrm>
           <a:prstGeom prst="straightConnector1">
             <a:avLst/>
@@ -4469,8 +4483,8 @@
         </p:nvCxnSpPr>
         <p:spPr>
           <a:xfrm>
-            <a:off x="7396621" y="2347343"/>
-            <a:ext cx="0" cy="332408"/>
+            <a:off x="7396621" y="2386859"/>
+            <a:ext cx="0" cy="292892"/>
           </a:xfrm>
           <a:prstGeom prst="straightConnector1">
             <a:avLst/>
